--- a/spring13/slidesS13/genfuncintro.pptx
+++ b/spring13/slidesS13/genfuncintro.pptx
@@ -3017,22 +3017,7 @@
                 <a:uFillTx/>
                 <a:latin typeface="Comic Sans MS" pitchFamily="66" charset="0"/>
               </a:rPr>
-              <a:t>Albert R Meyer,             April </a:t>
-            </a:r>
-            <a:r>
-              <a:rPr kumimoji="0" lang="en-US" sz="1200" b="0" i="0" u="none" strike="noStrike" kern="1200" cap="none" spc="0" normalizeH="0" baseline="0" noProof="0" dirty="0" smtClean="0">
-                <a:ln>
-                  <a:noFill/>
-                </a:ln>
-                <a:solidFill>
-                  <a:schemeClr val="tx1"/>
-                </a:solidFill>
-                <a:effectLst/>
-                <a:uLnTx/>
-                <a:uFillTx/>
-                <a:latin typeface="Comic Sans MS" pitchFamily="66" charset="0"/>
-              </a:rPr>
-              <a:t>26, 2013</a:t>
+              <a:t>Albert R Meyer,             April 26, 2013</a:t>
             </a:r>
             <a:endParaRPr kumimoji="0" lang="en-US" sz="1200" b="0" i="0" u="none" strike="noStrike" kern="1200" cap="none" spc="0" normalizeH="0" baseline="0" noProof="0" dirty="0">
               <a:ln>
@@ -3648,11 +3633,11 @@
   <p:clrMapOvr>
     <a:masterClrMapping/>
   </p:clrMapOvr>
-  <mc:AlternateContent xmlns:mc="http://schemas.openxmlformats.org/markup-compatibility/2006">
-    <mc:Choice xmlns:p14="http://schemas.microsoft.com/office/powerpoint/2010/main" Requires="p14">
+  <mc:AlternateContent xmlns:mc="http://schemas.openxmlformats.org/markup-compatibility/2006" xmlns:p14="http://schemas.microsoft.com/office/powerpoint/2010/main">
+    <mc:Choice Requires="p14">
       <p:transition p14:dur="0" advClick="0"/>
     </mc:Choice>
-    <mc:Fallback>
+    <mc:Fallback xmlns="">
       <p:transition xmlns:p14="http://schemas.microsoft.com/office/powerpoint/2010/main" advClick="0"/>
     </mc:Fallback>
   </mc:AlternateContent>
@@ -3742,7 +3727,7 @@
           <a:graphicData uri="http://schemas.openxmlformats.org/presentationml/2006/ole">
             <mc:AlternateContent xmlns:mc="http://schemas.openxmlformats.org/markup-compatibility/2006">
               <mc:Choice xmlns:v="urn:schemas-microsoft-com:vml" Requires="v">
-                <p:oleObj spid="_x0000_s1082" name="Equation" r:id="rId4" imgW="2806700" imgH="1066800" progId="Equation.DSMT4">
+                <p:oleObj spid="_x0000_s1087" name="Equation" r:id="rId4" imgW="2806700" imgH="1066800" progId="Equation.DSMT4">
                   <p:embed/>
                 </p:oleObj>
               </mc:Choice>
@@ -3850,7 +3835,7 @@
             <a:graphicData uri="http://schemas.openxmlformats.org/presentationml/2006/ole">
               <mc:AlternateContent xmlns:mc="http://schemas.openxmlformats.org/markup-compatibility/2006">
                 <mc:Choice xmlns:v="urn:schemas-microsoft-com:vml" Requires="v">
-                  <p:oleObj spid="_x0000_s1083" name="Equation" r:id="rId6" imgW="1066680" imgH="342720" progId="Equation.DSMT4">
+                  <p:oleObj spid="_x0000_s1088" name="Equation" r:id="rId6" imgW="1066680" imgH="342720" progId="Equation.DSMT4">
                     <p:embed/>
                   </p:oleObj>
                 </mc:Choice>
@@ -3955,7 +3940,7 @@
           <a:graphicData uri="http://schemas.openxmlformats.org/presentationml/2006/ole">
             <mc:AlternateContent xmlns:mc="http://schemas.openxmlformats.org/markup-compatibility/2006">
               <mc:Choice xmlns:v="urn:schemas-microsoft-com:vml" Requires="v">
-                <p:oleObj spid="_x0000_s1084" name="Equation" r:id="rId8" imgW="1714500" imgH="241300" progId="Equation.DSMT4">
+                <p:oleObj spid="_x0000_s1089" name="Equation" r:id="rId8" imgW="1714500" imgH="241300" progId="Equation.DSMT4">
                   <p:embed/>
                 </p:oleObj>
               </mc:Choice>
@@ -4012,7 +3997,7 @@
           <a:graphicData uri="http://schemas.openxmlformats.org/presentationml/2006/ole">
             <mc:AlternateContent xmlns:mc="http://schemas.openxmlformats.org/markup-compatibility/2006">
               <mc:Choice xmlns:v="urn:schemas-microsoft-com:vml" Requires="v">
-                <p:oleObj spid="_x0000_s1085" name="Equation" r:id="rId10" imgW="622300" imgH="444500" progId="Equation.DSMT4">
+                <p:oleObj spid="_x0000_s1090" name="Equation" r:id="rId10" imgW="622300" imgH="444500" progId="Equation.DSMT4">
                   <p:embed/>
                 </p:oleObj>
               </mc:Choice>
@@ -4278,7 +4263,7 @@
           <a:graphicData uri="http://schemas.openxmlformats.org/presentationml/2006/ole">
             <mc:AlternateContent xmlns:mc="http://schemas.openxmlformats.org/markup-compatibility/2006">
               <mc:Choice xmlns:v="urn:schemas-microsoft-com:vml" Requires="v">
-                <p:oleObj spid="_x0000_s345097" name="Equation" r:id="rId4" imgW="2806700" imgH="1066800" progId="Equation.DSMT4">
+                <p:oleObj spid="_x0000_s345102" name="Equation" r:id="rId4" imgW="2806700" imgH="1066800" progId="Equation.DSMT4">
                   <p:embed/>
                 </p:oleObj>
               </mc:Choice>
@@ -4386,7 +4371,7 @@
             <a:graphicData uri="http://schemas.openxmlformats.org/presentationml/2006/ole">
               <mc:AlternateContent xmlns:mc="http://schemas.openxmlformats.org/markup-compatibility/2006">
                 <mc:Choice xmlns:v="urn:schemas-microsoft-com:vml" Requires="v">
-                  <p:oleObj spid="_x0000_s345098" name="Equation" r:id="rId6" imgW="1066680" imgH="342720" progId="Equation.DSMT4">
+                  <p:oleObj spid="_x0000_s345103" name="Equation" r:id="rId6" imgW="1066680" imgH="342720" progId="Equation.DSMT4">
                     <p:embed/>
                   </p:oleObj>
                 </mc:Choice>
@@ -4463,7 +4448,7 @@
           <a:graphicData uri="http://schemas.openxmlformats.org/presentationml/2006/ole">
             <mc:AlternateContent xmlns:mc="http://schemas.openxmlformats.org/markup-compatibility/2006">
               <mc:Choice xmlns:v="urn:schemas-microsoft-com:vml" Requires="v">
-                <p:oleObj spid="_x0000_s345099" name="Equation" r:id="rId8" imgW="622300" imgH="444500" progId="Equation.DSMT4">
+                <p:oleObj spid="_x0000_s345104" name="Equation" r:id="rId8" imgW="622300" imgH="444500" progId="Equation.DSMT4">
                   <p:embed/>
                 </p:oleObj>
               </mc:Choice>
@@ -4535,7 +4520,6 @@
               <a:rPr lang="en-US" dirty="0" smtClean="0"/>
               <a:t> </a:t>
             </a:r>
-            <a:endParaRPr lang="en-US" dirty="0" smtClean="0"/>
           </a:p>
         </p:txBody>
       </p:sp>
@@ -4561,7 +4545,7 @@
           <a:graphicData uri="http://schemas.openxmlformats.org/presentationml/2006/ole">
             <mc:AlternateContent xmlns:mc="http://schemas.openxmlformats.org/markup-compatibility/2006">
               <mc:Choice xmlns:v="urn:schemas-microsoft-com:vml" Requires="v">
-                <p:oleObj spid="_x0000_s345100" name="Equation" r:id="rId10" imgW="215900" imgH="215900" progId="Equation.DSMT4">
+                <p:oleObj spid="_x0000_s345105" name="Equation" r:id="rId10" imgW="215900" imgH="215900" progId="Equation.DSMT4">
                   <p:embed/>
                 </p:oleObj>
               </mc:Choice>
@@ -4735,7 +4719,6 @@
               <a:rPr lang="en-US" dirty="0" smtClean="0"/>
               <a:t> </a:t>
             </a:r>
-            <a:endParaRPr lang="en-US" dirty="0" smtClean="0"/>
           </a:p>
         </p:txBody>
       </p:sp>
@@ -4799,7 +4782,7 @@
           <a:graphicData uri="http://schemas.openxmlformats.org/presentationml/2006/ole">
             <mc:AlternateContent xmlns:mc="http://schemas.openxmlformats.org/markup-compatibility/2006">
               <mc:Choice xmlns:v="urn:schemas-microsoft-com:vml" Requires="v">
-                <p:oleObj spid="_x0000_s343050" name="Equation" r:id="rId4" imgW="1358900" imgH="495300" progId="Equation.DSMT4">
+                <p:oleObj spid="_x0000_s343053" name="Equation" r:id="rId4" imgW="1358900" imgH="495300" progId="Equation.DSMT4">
                   <p:embed/>
                 </p:oleObj>
               </mc:Choice>
@@ -4856,7 +4839,7 @@
           <a:graphicData uri="http://schemas.openxmlformats.org/presentationml/2006/ole">
             <mc:AlternateContent xmlns:mc="http://schemas.openxmlformats.org/markup-compatibility/2006">
               <mc:Choice xmlns:v="urn:schemas-microsoft-com:vml" Requires="v">
-                <p:oleObj spid="_x0000_s343051" name="Equation" r:id="rId6" imgW="215900" imgH="215900" progId="Equation.DSMT4">
+                <p:oleObj spid="_x0000_s343054" name="Equation" r:id="rId6" imgW="215900" imgH="215900" progId="Equation.DSMT4">
                   <p:embed/>
                 </p:oleObj>
               </mc:Choice>
@@ -4916,6 +4899,9 @@
                     <p:cTn id="3" fill="hold">
                       <p:stCondLst>
                         <p:cond delay="indefinite"/>
+                        <p:cond evt="onBegin" delay="0">
+                          <p:tn val="2"/>
+                        </p:cond>
                       </p:stCondLst>
                       <p:childTnLst>
                         <p:par>
@@ -4925,7 +4911,7 @@
                             </p:stCondLst>
                             <p:childTnLst>
                               <p:par>
-                                <p:cTn id="5" presetID="22" presetClass="entr" presetSubtype="8" fill="hold" nodeType="clickEffect">
+                                <p:cTn id="5" presetID="22" presetClass="entr" presetSubtype="8" fill="hold" nodeType="afterEffect">
                                   <p:stCondLst>
                                     <p:cond delay="0"/>
                                   </p:stCondLst>
@@ -4962,30 +4948,21 @@
                             </p:childTnLst>
                           </p:cTn>
                         </p:par>
-                      </p:childTnLst>
-                    </p:cTn>
-                  </p:par>
-                  <p:par>
-                    <p:cTn id="8" fill="hold">
-                      <p:stCondLst>
-                        <p:cond delay="indefinite"/>
-                      </p:stCondLst>
-                      <p:childTnLst>
                         <p:par>
-                          <p:cTn id="9" fill="hold">
+                          <p:cTn id="8" fill="hold">
                             <p:stCondLst>
-                              <p:cond delay="0"/>
+                              <p:cond delay="2000"/>
                             </p:stCondLst>
                             <p:childTnLst>
                               <p:par>
-                                <p:cTn id="10" presetID="10" presetClass="entr" presetSubtype="0" fill="hold" grpId="0" nodeType="clickEffect">
+                                <p:cTn id="9" presetID="10" presetClass="entr" presetSubtype="0" fill="hold" grpId="0" nodeType="afterEffect">
                                   <p:stCondLst>
                                     <p:cond delay="0"/>
                                   </p:stCondLst>
                                   <p:childTnLst>
                                     <p:set>
                                       <p:cBhvr>
-                                        <p:cTn id="11" dur="1" fill="hold">
+                                        <p:cTn id="10" dur="1" fill="hold">
                                           <p:stCondLst>
                                             <p:cond delay="0"/>
                                           </p:stCondLst>
@@ -5003,7 +4980,7 @@
                                     </p:set>
                                     <p:animEffect transition="in" filter="fade">
                                       <p:cBhvr>
-                                        <p:cTn id="12" dur="500"/>
+                                        <p:cTn id="11" dur="500"/>
                                         <p:tgtEl>
                                           <p:spTgt spid="10"/>
                                         </p:tgtEl>
@@ -5150,7 +5127,7 @@
           <a:graphicData uri="http://schemas.openxmlformats.org/presentationml/2006/ole">
             <mc:AlternateContent xmlns:mc="http://schemas.openxmlformats.org/markup-compatibility/2006">
               <mc:Choice xmlns:v="urn:schemas-microsoft-com:vml" Requires="v">
-                <p:oleObj spid="_x0000_s341033" name="Equation" r:id="rId3" imgW="1536700" imgH="330200" progId="Equation.DSMT4">
+                <p:oleObj spid="_x0000_s341037" name="Equation" r:id="rId3" imgW="1536700" imgH="330200" progId="Equation.DSMT4">
                   <p:embed/>
                 </p:oleObj>
               </mc:Choice>
@@ -5207,7 +5184,7 @@
           <a:graphicData uri="http://schemas.openxmlformats.org/presentationml/2006/ole">
             <mc:AlternateContent xmlns:mc="http://schemas.openxmlformats.org/markup-compatibility/2006">
               <mc:Choice xmlns:v="urn:schemas-microsoft-com:vml" Requires="v">
-                <p:oleObj spid="_x0000_s341034" name="Equation" r:id="rId5" imgW="2616200" imgH="292100" progId="Equation.DSMT4">
+                <p:oleObj spid="_x0000_s341038" name="Equation" r:id="rId5" imgW="2616200" imgH="292100" progId="Equation.DSMT4">
                   <p:embed/>
                 </p:oleObj>
               </mc:Choice>
@@ -5264,7 +5241,7 @@
           <a:graphicData uri="http://schemas.openxmlformats.org/presentationml/2006/ole">
             <mc:AlternateContent xmlns:mc="http://schemas.openxmlformats.org/markup-compatibility/2006">
               <mc:Choice xmlns:v="urn:schemas-microsoft-com:vml" Requires="v">
-                <p:oleObj spid="_x0000_s341035" name="Equation" r:id="rId7" imgW="2603500" imgH="292100" progId="Equation.DSMT4">
+                <p:oleObj spid="_x0000_s341039" name="Equation" r:id="rId7" imgW="2603500" imgH="292100" progId="Equation.DSMT4">
                   <p:embed/>
                 </p:oleObj>
               </mc:Choice>
@@ -5583,7 +5560,7 @@
           <a:graphicData uri="http://schemas.openxmlformats.org/presentationml/2006/ole">
             <mc:AlternateContent xmlns:mc="http://schemas.openxmlformats.org/markup-compatibility/2006">
               <mc:Choice xmlns:v="urn:schemas-microsoft-com:vml" Requires="v">
-                <p:oleObj spid="_x0000_s342073" name="Equation" r:id="rId4" imgW="3340100" imgH="1066800" progId="Equation.DSMT4">
+                <p:oleObj spid="_x0000_s342079" name="Equation" r:id="rId4" imgW="3340100" imgH="1066800" progId="Equation.DSMT4">
                   <p:embed/>
                 </p:oleObj>
               </mc:Choice>
@@ -5691,7 +5668,7 @@
             <a:graphicData uri="http://schemas.openxmlformats.org/presentationml/2006/ole">
               <mc:AlternateContent xmlns:mc="http://schemas.openxmlformats.org/markup-compatibility/2006">
                 <mc:Choice xmlns:v="urn:schemas-microsoft-com:vml" Requires="v">
-                  <p:oleObj spid="_x0000_s342074" name="Equation" r:id="rId6" imgW="1066680" imgH="342720" progId="Equation.DSMT4">
+                  <p:oleObj spid="_x0000_s342080" name="Equation" r:id="rId6" imgW="1066680" imgH="342720" progId="Equation.DSMT4">
                     <p:embed/>
                   </p:oleObj>
                 </mc:Choice>
@@ -5768,7 +5745,7 @@
           <a:graphicData uri="http://schemas.openxmlformats.org/presentationml/2006/ole">
             <mc:AlternateContent xmlns:mc="http://schemas.openxmlformats.org/markup-compatibility/2006">
               <mc:Choice xmlns:v="urn:schemas-microsoft-com:vml" Requires="v">
-                <p:oleObj spid="_x0000_s342075" name="Equation" r:id="rId8" imgW="1600200" imgH="241300" progId="Equation.DSMT4">
+                <p:oleObj spid="_x0000_s342081" name="Equation" r:id="rId8" imgW="1600200" imgH="241300" progId="Equation.DSMT4">
                   <p:embed/>
                 </p:oleObj>
               </mc:Choice>
@@ -5825,7 +5802,7 @@
           <a:graphicData uri="http://schemas.openxmlformats.org/presentationml/2006/ole">
             <mc:AlternateContent xmlns:mc="http://schemas.openxmlformats.org/markup-compatibility/2006">
               <mc:Choice xmlns:v="urn:schemas-microsoft-com:vml" Requires="v">
-                <p:oleObj spid="_x0000_s342076" name="Equation" r:id="rId10" imgW="622300" imgH="444500" progId="Equation.DSMT4">
+                <p:oleObj spid="_x0000_s342082" name="Equation" r:id="rId10" imgW="622300" imgH="444500" progId="Equation.DSMT4">
                   <p:embed/>
                 </p:oleObj>
               </mc:Choice>
@@ -5897,7 +5874,6 @@
               <a:rPr lang="en-US" dirty="0" smtClean="0"/>
               <a:t> </a:t>
             </a:r>
-            <a:endParaRPr lang="en-US" dirty="0" smtClean="0"/>
           </a:p>
         </p:txBody>
       </p:sp>
@@ -5923,7 +5899,7 @@
           <a:graphicData uri="http://schemas.openxmlformats.org/presentationml/2006/ole">
             <mc:AlternateContent xmlns:mc="http://schemas.openxmlformats.org/markup-compatibility/2006">
               <mc:Choice xmlns:v="urn:schemas-microsoft-com:vml" Requires="v">
-                <p:oleObj spid="_x0000_s342077" name="Equation" r:id="rId12" imgW="165100" imgH="165100" progId="Equation.DSMT4">
+                <p:oleObj spid="_x0000_s342083" name="Equation" r:id="rId12" imgW="165100" imgH="165100" progId="Equation.DSMT4">
                   <p:embed/>
                 </p:oleObj>
               </mc:Choice>
@@ -6142,7 +6118,7 @@
           <a:graphicData uri="http://schemas.openxmlformats.org/presentationml/2006/ole">
             <mc:AlternateContent xmlns:mc="http://schemas.openxmlformats.org/markup-compatibility/2006">
               <mc:Choice xmlns:v="urn:schemas-microsoft-com:vml" Requires="v">
-                <p:oleObj spid="_x0000_s344080" name="Equation" r:id="rId4" imgW="3340100" imgH="1066800" progId="Equation.DSMT4">
+                <p:oleObj spid="_x0000_s344086" name="Equation" r:id="rId4" imgW="3340100" imgH="1066800" progId="Equation.DSMT4">
                   <p:embed/>
                 </p:oleObj>
               </mc:Choice>
@@ -6250,7 +6226,7 @@
             <a:graphicData uri="http://schemas.openxmlformats.org/presentationml/2006/ole">
               <mc:AlternateContent xmlns:mc="http://schemas.openxmlformats.org/markup-compatibility/2006">
                 <mc:Choice xmlns:v="urn:schemas-microsoft-com:vml" Requires="v">
-                  <p:oleObj spid="_x0000_s344081" name="Equation" r:id="rId6" imgW="1066680" imgH="342720" progId="Equation.DSMT4">
+                  <p:oleObj spid="_x0000_s344087" name="Equation" r:id="rId6" imgW="1066680" imgH="342720" progId="Equation.DSMT4">
                     <p:embed/>
                   </p:oleObj>
                 </mc:Choice>
@@ -6327,7 +6303,7 @@
           <a:graphicData uri="http://schemas.openxmlformats.org/presentationml/2006/ole">
             <mc:AlternateContent xmlns:mc="http://schemas.openxmlformats.org/markup-compatibility/2006">
               <mc:Choice xmlns:v="urn:schemas-microsoft-com:vml" Requires="v">
-                <p:oleObj spid="_x0000_s344082" name="Equation" r:id="rId8" imgW="1600200" imgH="241300" progId="Equation.DSMT4">
+                <p:oleObj spid="_x0000_s344088" name="Equation" r:id="rId8" imgW="1600200" imgH="241300" progId="Equation.DSMT4">
                   <p:embed/>
                 </p:oleObj>
               </mc:Choice>
@@ -6384,7 +6360,7 @@
           <a:graphicData uri="http://schemas.openxmlformats.org/presentationml/2006/ole">
             <mc:AlternateContent xmlns:mc="http://schemas.openxmlformats.org/markup-compatibility/2006">
               <mc:Choice xmlns:v="urn:schemas-microsoft-com:vml" Requires="v">
-                <p:oleObj spid="_x0000_s344083" name="Equation" r:id="rId10" imgW="622300" imgH="444500" progId="Equation.DSMT4">
+                <p:oleObj spid="_x0000_s344089" name="Equation" r:id="rId10" imgW="622300" imgH="444500" progId="Equation.DSMT4">
                   <p:embed/>
                 </p:oleObj>
               </mc:Choice>
@@ -6456,7 +6432,6 @@
               <a:rPr lang="en-US" dirty="0" smtClean="0"/>
               <a:t> </a:t>
             </a:r>
-            <a:endParaRPr lang="en-US" dirty="0" smtClean="0"/>
           </a:p>
         </p:txBody>
       </p:sp>
@@ -6482,7 +6457,7 @@
           <a:graphicData uri="http://schemas.openxmlformats.org/presentationml/2006/ole">
             <mc:AlternateContent xmlns:mc="http://schemas.openxmlformats.org/markup-compatibility/2006">
               <mc:Choice xmlns:v="urn:schemas-microsoft-com:vml" Requires="v">
-                <p:oleObj spid="_x0000_s344084" name="Equation" r:id="rId12" imgW="165100" imgH="165100" progId="Equation.DSMT4">
+                <p:oleObj spid="_x0000_s344090" name="Equation" r:id="rId12" imgW="165100" imgH="165100" progId="Equation.DSMT4">
                   <p:embed/>
                 </p:oleObj>
               </mc:Choice>
@@ -6527,13 +6502,13 @@
   <p:clrMapOvr>
     <a:masterClrMapping/>
   </p:clrMapOvr>
-  <mc:AlternateContent xmlns:mc="http://schemas.openxmlformats.org/markup-compatibility/2006">
-    <mc:Choice xmlns:p14="http://schemas.microsoft.com/office/powerpoint/2010/main" Requires="p14">
+  <mc:AlternateContent xmlns:mc="http://schemas.openxmlformats.org/markup-compatibility/2006" xmlns:p14="http://schemas.microsoft.com/office/powerpoint/2010/main">
+    <mc:Choice Requires="p14">
       <p:transition spd="med" p14:dur="700" advClick="0">
         <p:fade thruBlk="1"/>
       </p:transition>
     </mc:Choice>
-    <mc:Fallback>
+    <mc:Fallback xmlns="">
       <p:transition xmlns:p14="http://schemas.microsoft.com/office/powerpoint/2010/main" spd="med" advClick="0">
         <p:fade thruBlk="1"/>
       </p:transition>
@@ -6883,7 +6858,7 @@
           <a:graphicData uri="http://schemas.openxmlformats.org/presentationml/2006/ole">
             <mc:AlternateContent xmlns:mc="http://schemas.openxmlformats.org/markup-compatibility/2006">
               <mc:Choice xmlns:v="urn:schemas-microsoft-com:vml" Requires="v">
-                <p:oleObj spid="_x0000_s252001" name="Equation" r:id="rId4" imgW="2159000" imgH="241300" progId="Equation.DSMT4">
+                <p:oleObj spid="_x0000_s252005" name="Equation" r:id="rId4" imgW="2159000" imgH="241300" progId="Equation.DSMT4">
                   <p:embed/>
                 </p:oleObj>
               </mc:Choice>
@@ -6991,7 +6966,7 @@
           <a:graphicData uri="http://schemas.openxmlformats.org/presentationml/2006/ole">
             <mc:AlternateContent xmlns:mc="http://schemas.openxmlformats.org/markup-compatibility/2006">
               <mc:Choice xmlns:v="urn:schemas-microsoft-com:vml" Requires="v">
-                <p:oleObj spid="_x0000_s252002" name="Equation" r:id="rId6" imgW="647700" imgH="215900" progId="Equation.DSMT4">
+                <p:oleObj spid="_x0000_s252006" name="Equation" r:id="rId6" imgW="647700" imgH="215900" progId="Equation.DSMT4">
                   <p:embed/>
                 </p:oleObj>
               </mc:Choice>
@@ -7061,7 +7036,7 @@
           <a:graphicData uri="http://schemas.openxmlformats.org/presentationml/2006/ole">
             <mc:AlternateContent xmlns:mc="http://schemas.openxmlformats.org/markup-compatibility/2006">
               <mc:Choice xmlns:v="urn:schemas-microsoft-com:vml" Requires="v">
-                <p:oleObj spid="_x0000_s252003" name="Equation" r:id="rId8" imgW="1244600" imgH="241300" progId="Equation.DSMT4">
+                <p:oleObj spid="_x0000_s252007" name="Equation" r:id="rId8" imgW="1244600" imgH="241300" progId="Equation.DSMT4">
                   <p:embed/>
                 </p:oleObj>
               </mc:Choice>
@@ -7205,7 +7180,7 @@
                                     </p:set>
                                     <p:animEffect transition="in" filter="wipe(left)">
                                       <p:cBhvr>
-                                        <p:cTn id="10" dur="500"/>
+                                        <p:cTn id="10" dur="1000"/>
                                         <p:tgtEl>
                                           <p:spTgt spid="3"/>
                                         </p:tgtEl>
@@ -7301,7 +7276,7 @@
           <a:graphicData uri="http://schemas.openxmlformats.org/presentationml/2006/ole">
             <mc:AlternateContent xmlns:mc="http://schemas.openxmlformats.org/markup-compatibility/2006">
               <mc:Choice xmlns:v="urn:schemas-microsoft-com:vml" Requires="v">
-                <p:oleObj spid="_x0000_s334898" name="Equation" r:id="rId4" imgW="2159000" imgH="241300" progId="Equation.DSMT4">
+                <p:oleObj spid="_x0000_s334903" name="Equation" r:id="rId4" imgW="2159000" imgH="241300" progId="Equation.DSMT4">
                   <p:embed/>
                 </p:oleObj>
               </mc:Choice>
@@ -7683,7 +7658,7 @@
           <a:graphicData uri="http://schemas.openxmlformats.org/presentationml/2006/ole">
             <mc:AlternateContent xmlns:mc="http://schemas.openxmlformats.org/markup-compatibility/2006">
               <mc:Choice xmlns:v="urn:schemas-microsoft-com:vml" Requires="v">
-                <p:oleObj spid="_x0000_s334899" name="Equation" r:id="rId6" imgW="647700" imgH="215900" progId="Equation.DSMT4">
+                <p:oleObj spid="_x0000_s334904" name="Equation" r:id="rId6" imgW="647700" imgH="215900" progId="Equation.DSMT4">
                   <p:embed/>
                 </p:oleObj>
               </mc:Choice>
@@ -7753,7 +7728,7 @@
           <a:graphicData uri="http://schemas.openxmlformats.org/presentationml/2006/ole">
             <mc:AlternateContent xmlns:mc="http://schemas.openxmlformats.org/markup-compatibility/2006">
               <mc:Choice xmlns:v="urn:schemas-microsoft-com:vml" Requires="v">
-                <p:oleObj spid="_x0000_s334900" name="Equation" r:id="rId8" imgW="1244600" imgH="241300" progId="Equation.DSMT4">
+                <p:oleObj spid="_x0000_s334905" name="Equation" r:id="rId8" imgW="1244600" imgH="241300" progId="Equation.DSMT4">
                   <p:embed/>
                 </p:oleObj>
               </mc:Choice>
@@ -7829,7 +7804,7 @@
           <a:graphicData uri="http://schemas.openxmlformats.org/presentationml/2006/ole">
             <mc:AlternateContent xmlns:mc="http://schemas.openxmlformats.org/markup-compatibility/2006">
               <mc:Choice xmlns:v="urn:schemas-microsoft-com:vml" Requires="v">
-                <p:oleObj spid="_x0000_s334901" name="Equation" r:id="rId10" imgW="381000" imgH="469900" progId="Equation.DSMT4">
+                <p:oleObj spid="_x0000_s334906" name="Equation" r:id="rId10" imgW="381000" imgH="469900" progId="Equation.DSMT4">
                   <p:embed/>
                 </p:oleObj>
               </mc:Choice>
@@ -7923,11 +7898,11 @@
   <p:clrMapOvr>
     <a:masterClrMapping/>
   </p:clrMapOvr>
-  <mc:AlternateContent xmlns:mc="http://schemas.openxmlformats.org/markup-compatibility/2006">
-    <mc:Choice xmlns:p14="http://schemas.microsoft.com/office/powerpoint/2010/main" Requires="p14">
+  <mc:AlternateContent xmlns:mc="http://schemas.openxmlformats.org/markup-compatibility/2006" xmlns:p14="http://schemas.microsoft.com/office/powerpoint/2010/main">
+    <mc:Choice Requires="p14">
       <p:transition p14:dur="0" advClick="0"/>
     </mc:Choice>
-    <mc:Fallback>
+    <mc:Fallback xmlns="">
       <p:transition xmlns:p14="http://schemas.microsoft.com/office/powerpoint/2010/main" advClick="0"/>
     </mc:Fallback>
   </mc:AlternateContent>
@@ -7980,7 +7955,7 @@
                                     </p:set>
                                     <p:animEffect transition="in" filter="wipe(left)">
                                       <p:cBhvr>
-                                        <p:cTn id="7" dur="500"/>
+                                        <p:cTn id="7" dur="2000"/>
                                         <p:tgtEl>
                                           <p:spTgt spid="5"/>
                                         </p:tgtEl>
@@ -8492,7 +8467,7 @@
           <a:graphicData uri="http://schemas.openxmlformats.org/presentationml/2006/ole">
             <mc:AlternateContent xmlns:mc="http://schemas.openxmlformats.org/markup-compatibility/2006">
               <mc:Choice xmlns:v="urn:schemas-microsoft-com:vml" Requires="v">
-                <p:oleObj spid="_x0000_s316577" name="Equation" r:id="rId4" imgW="2159000" imgH="241300" progId="Equation.DSMT4">
+                <p:oleObj spid="_x0000_s316583" name="Equation" r:id="rId4" imgW="2159000" imgH="241300" progId="Equation.DSMT4">
                   <p:embed/>
                 </p:oleObj>
               </mc:Choice>
@@ -8874,7 +8849,7 @@
           <a:graphicData uri="http://schemas.openxmlformats.org/presentationml/2006/ole">
             <mc:AlternateContent xmlns:mc="http://schemas.openxmlformats.org/markup-compatibility/2006">
               <mc:Choice xmlns:v="urn:schemas-microsoft-com:vml" Requires="v">
-                <p:oleObj spid="_x0000_s316578" name="Equation" r:id="rId6" imgW="647700" imgH="215900" progId="Equation.DSMT4">
+                <p:oleObj spid="_x0000_s316584" name="Equation" r:id="rId6" imgW="647700" imgH="215900" progId="Equation.DSMT4">
                   <p:embed/>
                 </p:oleObj>
               </mc:Choice>
@@ -8944,7 +8919,7 @@
           <a:graphicData uri="http://schemas.openxmlformats.org/presentationml/2006/ole">
             <mc:AlternateContent xmlns:mc="http://schemas.openxmlformats.org/markup-compatibility/2006">
               <mc:Choice xmlns:v="urn:schemas-microsoft-com:vml" Requires="v">
-                <p:oleObj spid="_x0000_s316579" name="Equation" r:id="rId8" imgW="1244600" imgH="241300" progId="Equation.DSMT4">
+                <p:oleObj spid="_x0000_s316585" name="Equation" r:id="rId8" imgW="1244600" imgH="241300" progId="Equation.DSMT4">
                   <p:embed/>
                 </p:oleObj>
               </mc:Choice>
@@ -9020,7 +8995,7 @@
           <a:graphicData uri="http://schemas.openxmlformats.org/presentationml/2006/ole">
             <mc:AlternateContent xmlns:mc="http://schemas.openxmlformats.org/markup-compatibility/2006">
               <mc:Choice xmlns:v="urn:schemas-microsoft-com:vml" Requires="v">
-                <p:oleObj spid="_x0000_s316580" name="Equation" r:id="rId10" imgW="381000" imgH="469900" progId="Equation.DSMT4">
+                <p:oleObj spid="_x0000_s316586" name="Equation" r:id="rId10" imgW="381000" imgH="469900" progId="Equation.DSMT4">
                   <p:embed/>
                 </p:oleObj>
               </mc:Choice>
@@ -9077,7 +9052,7 @@
           <a:graphicData uri="http://schemas.openxmlformats.org/presentationml/2006/ole">
             <mc:AlternateContent xmlns:mc="http://schemas.openxmlformats.org/markup-compatibility/2006">
               <mc:Choice xmlns:v="urn:schemas-microsoft-com:vml" Requires="v">
-                <p:oleObj spid="_x0000_s316581" name="Equation" r:id="rId12" imgW="1524000" imgH="241300" progId="Equation.DSMT4">
+                <p:oleObj spid="_x0000_s316587" name="Equation" r:id="rId12" imgW="1524000" imgH="241300" progId="Equation.DSMT4">
                   <p:embed/>
                 </p:oleObj>
               </mc:Choice>
@@ -10395,7 +10370,7 @@
           <a:graphicData uri="http://schemas.openxmlformats.org/presentationml/2006/ole">
             <mc:AlternateContent xmlns:mc="http://schemas.openxmlformats.org/markup-compatibility/2006">
               <mc:Choice xmlns:v="urn:schemas-microsoft-com:vml" Requires="v">
-                <p:oleObj spid="_x0000_s81034" name="Equation" r:id="rId4" imgW="3441700" imgH="838200" progId="Equation.3">
+                <p:oleObj spid="_x0000_s81039" name="Equation" r:id="rId4" imgW="3441700" imgH="838200" progId="Equation.3">
                   <p:embed/>
                 </p:oleObj>
               </mc:Choice>
@@ -10502,7 +10477,7 @@
           <a:graphicData uri="http://schemas.openxmlformats.org/presentationml/2006/ole">
             <mc:AlternateContent xmlns:mc="http://schemas.openxmlformats.org/markup-compatibility/2006">
               <mc:Choice xmlns:v="urn:schemas-microsoft-com:vml" Requires="v">
-                <p:oleObj spid="_x0000_s81035" name="Equation" r:id="rId6" imgW="3060700" imgH="1092200" progId="Equation.3">
+                <p:oleObj spid="_x0000_s81040" name="Equation" r:id="rId6" imgW="3060700" imgH="1092200" progId="Equation.3">
                   <p:embed/>
                 </p:oleObj>
               </mc:Choice>
@@ -10610,7 +10585,7 @@
             <a:graphicData uri="http://schemas.openxmlformats.org/presentationml/2006/ole">
               <mc:AlternateContent xmlns:mc="http://schemas.openxmlformats.org/markup-compatibility/2006">
                 <mc:Choice xmlns:v="urn:schemas-microsoft-com:vml" Requires="v">
-                  <p:oleObj spid="_x0000_s81036" name="Equation" r:id="rId8" imgW="1066680" imgH="342720" progId="Equation.DSMT4">
+                  <p:oleObj spid="_x0000_s81041" name="Equation" r:id="rId8" imgW="1066680" imgH="342720" progId="Equation.DSMT4">
                     <p:embed/>
                   </p:oleObj>
                 </mc:Choice>
@@ -10709,7 +10684,7 @@
           <a:graphicData uri="http://schemas.openxmlformats.org/presentationml/2006/ole">
             <mc:AlternateContent xmlns:mc="http://schemas.openxmlformats.org/markup-compatibility/2006">
               <mc:Choice xmlns:v="urn:schemas-microsoft-com:vml" Requires="v">
-                <p:oleObj spid="_x0000_s81037" name="Equation" r:id="rId10" imgW="1168400" imgH="1104900" progId="Equation.DSMT4">
+                <p:oleObj spid="_x0000_s81042" name="Equation" r:id="rId10" imgW="1168400" imgH="1104900" progId="Equation.DSMT4">
                   <p:embed/>
                 </p:oleObj>
               </mc:Choice>
@@ -11104,7 +11079,7 @@
           <a:graphicData uri="http://schemas.openxmlformats.org/presentationml/2006/ole">
             <mc:AlternateContent xmlns:mc="http://schemas.openxmlformats.org/markup-compatibility/2006">
               <mc:Choice xmlns:v="urn:schemas-microsoft-com:vml" Requires="v">
-                <p:oleObj spid="_x0000_s336925" name="Equation" r:id="rId3" imgW="1054100" imgH="330200" progId="Equation.DSMT4">
+                <p:oleObj spid="_x0000_s336928" name="Equation" r:id="rId3" imgW="1054100" imgH="330200" progId="Equation.DSMT4">
                   <p:embed/>
                 </p:oleObj>
               </mc:Choice>
@@ -11161,7 +11136,7 @@
           <a:graphicData uri="http://schemas.openxmlformats.org/presentationml/2006/ole">
             <mc:AlternateContent xmlns:mc="http://schemas.openxmlformats.org/markup-compatibility/2006">
               <mc:Choice xmlns:v="urn:schemas-microsoft-com:vml" Requires="v">
-                <p:oleObj spid="_x0000_s336926" name="Equation" r:id="rId5" imgW="914400" imgH="469900" progId="Equation.DSMT4">
+                <p:oleObj spid="_x0000_s336929" name="Equation" r:id="rId5" imgW="914400" imgH="469900" progId="Equation.DSMT4">
                   <p:embed/>
                 </p:oleObj>
               </mc:Choice>
@@ -11448,7 +11423,7 @@
           <a:graphicData uri="http://schemas.openxmlformats.org/presentationml/2006/ole">
             <mc:AlternateContent xmlns:mc="http://schemas.openxmlformats.org/markup-compatibility/2006">
               <mc:Choice xmlns:v="urn:schemas-microsoft-com:vml" Requires="v">
-                <p:oleObj spid="_x0000_s335931" name="Equation" r:id="rId4" imgW="1828800" imgH="419100" progId="Equation.DSMT4">
+                <p:oleObj spid="_x0000_s335935" name="Equation" r:id="rId4" imgW="1828800" imgH="419100" progId="Equation.DSMT4">
                   <p:embed/>
                 </p:oleObj>
               </mc:Choice>
@@ -11535,7 +11510,7 @@
           <a:graphicData uri="http://schemas.openxmlformats.org/presentationml/2006/ole">
             <mc:AlternateContent xmlns:mc="http://schemas.openxmlformats.org/markup-compatibility/2006">
               <mc:Choice xmlns:v="urn:schemas-microsoft-com:vml" Requires="v">
-                <p:oleObj spid="_x0000_s335932" name="Equation" r:id="rId6" imgW="1371600" imgH="241300" progId="Equation.DSMT4">
+                <p:oleObj spid="_x0000_s335936" name="Equation" r:id="rId6" imgW="1371600" imgH="241300" progId="Equation.DSMT4">
                   <p:embed/>
                 </p:oleObj>
               </mc:Choice>
@@ -11592,7 +11567,7 @@
           <a:graphicData uri="http://schemas.openxmlformats.org/presentationml/2006/ole">
             <mc:AlternateContent xmlns:mc="http://schemas.openxmlformats.org/markup-compatibility/2006">
               <mc:Choice xmlns:v="urn:schemas-microsoft-com:vml" Requires="v">
-                <p:oleObj spid="_x0000_s335933" name="Equation" r:id="rId8" imgW="622300" imgH="444500" progId="Equation.DSMT4">
+                <p:oleObj spid="_x0000_s335937" name="Equation" r:id="rId8" imgW="622300" imgH="444500" progId="Equation.DSMT4">
                   <p:embed/>
                 </p:oleObj>
               </mc:Choice>
